--- a/DESIGN_THINKING/EMPATIZAR/MAPA DE RUTA-COSTUMER JOURNEY MAP.pptx
+++ b/DESIGN_THINKING/EMPATIZAR/MAPA DE RUTA-COSTUMER JOURNEY MAP.pptx
@@ -263,7 +263,7 @@
   </p:defaultTextStyle>
   <p:extLst>
     <p:ext uri="{EFAFB233-063F-42B5-8137-9DF3F51BA10A}">
-      <p15:sldGuideLst xmlns:p15="http://schemas.microsoft.com/office/powerpoint/2012/main" xmlns:p14="http://schemas.microsoft.com/office/powerpoint/2010/main" xmlns:com="http://schemas.openxmlformats.org/drawingml/2006/compatibility" xmlns:pvml="urn:schemas-microsoft-com:office:powerpoint" xmlns:v="urn:schemas-microsoft-com:vml" xmlns:o="urn:schemas-microsoft-com:office:office" xmlns:dgm="http://schemas.openxmlformats.org/drawingml/2006/diagram" xmlns:c="http://schemas.openxmlformats.org/drawingml/2006/chart" xmlns:mv="urn:schemas-microsoft-com:mac:vml" xmlns:mc="http://schemas.openxmlformats.org/markup-compatibility/2006" xmlns="">
+      <p15:sldGuideLst xmlns="" xmlns:mc="http://schemas.openxmlformats.org/markup-compatibility/2006" xmlns:mv="urn:schemas-microsoft-com:mac:vml" xmlns:c="http://schemas.openxmlformats.org/drawingml/2006/chart" xmlns:dgm="http://schemas.openxmlformats.org/drawingml/2006/diagram" xmlns:o="urn:schemas-microsoft-com:office:office" xmlns:v="urn:schemas-microsoft-com:vml" xmlns:pvml="urn:schemas-microsoft-com:office:powerpoint" xmlns:com="http://schemas.openxmlformats.org/drawingml/2006/compatibility" xmlns:p14="http://schemas.microsoft.com/office/powerpoint/2010/main" xmlns:p15="http://schemas.microsoft.com/office/powerpoint/2012/main">
         <p15:guide id="1" orient="horz" pos="1620">
           <p15:clr>
             <a:srgbClr val="A4A3A4"/>
@@ -1275,7 +1275,7 @@
         </p:nvSpPr>
         <p:spPr>
           <a:xfrm>
-            <a:off x="381300" y="685800"/>
+            <a:off x="381000" y="685800"/>
             <a:ext cx="6096000" cy="3429000"/>
           </a:xfrm>
           <a:custGeom>
@@ -1338,7 +1338,7 @@
               </a:spcAft>
               <a:buNone/>
             </a:pPr>
-            <a:endParaRPr/>
+            <a:endParaRPr dirty="0"/>
           </a:p>
         </p:txBody>
       </p:sp>
@@ -8200,10 +8200,10 @@
                         <a:buNone/>
                       </a:pPr>
                       <a:r>
-                        <a:rPr lang="es" sz="700"/>
+                        <a:rPr lang="es" sz="700" dirty="0"/>
                         <a:t>Se carga el archivo en .stl en el programa laminador y se introduce tarjeta SD. Se seleccionan los parámetros necesarios dependiendo de análisis de uso. Luego, se verifica que el seteo realizado cumpla con la cantidad máxima de material permitida, y el tiempo destinado para la producción. Finalmente, se obtiene el archivo en formato .gcode </a:t>
                       </a:r>
-                      <a:endParaRPr sz="700"/>
+                      <a:endParaRPr sz="700" dirty="0"/>
                     </a:p>
                   </a:txBody>
                   <a:tcPr marL="18000" marR="18000" marT="18000" marB="18000"/>
@@ -9410,11 +9410,17 @@
         <p:nvGraphicFramePr>
           <p:cNvPr id="105" name="Google Shape;105;p18"/>
           <p:cNvGraphicFramePr/>
-          <p:nvPr/>
+          <p:nvPr>
+            <p:extLst>
+              <p:ext uri="{D42A27DB-BD31-4B8C-83A1-F6EECF244321}">
+                <p14:modId xmlns:p14="http://schemas.microsoft.com/office/powerpoint/2010/main" val="840786373"/>
+              </p:ext>
+            </p:extLst>
+          </p:nvPr>
         </p:nvGraphicFramePr>
         <p:xfrm>
           <a:off x="0" y="0"/>
-          <a:ext cx="9144000" cy="3983420"/>
+          <a:ext cx="9144000" cy="4426740"/>
         </p:xfrm>
         <a:graphic>
           <a:graphicData uri="http://schemas.openxmlformats.org/drawingml/2006/table">
@@ -9446,7 +9452,7 @@
                         <a:buNone/>
                       </a:pPr>
                       <a:r>
-                        <a:rPr lang="es" sz="900">
+                        <a:rPr lang="es" sz="900" dirty="0">
                           <a:latin typeface="Comfortaa"/>
                           <a:ea typeface="Comfortaa"/>
                           <a:cs typeface="Comfortaa"/>
@@ -9454,7 +9460,7 @@
                         </a:rPr>
                         <a:t>Fases </a:t>
                       </a:r>
-                      <a:endParaRPr sz="900">
+                      <a:endParaRPr sz="900" dirty="0">
                         <a:latin typeface="Comfortaa"/>
                         <a:ea typeface="Comfortaa"/>
                         <a:cs typeface="Comfortaa"/>
@@ -9482,7 +9488,7 @@
                         <a:buNone/>
                       </a:pPr>
                       <a:r>
-                        <a:rPr lang="es" sz="1000">
+                        <a:rPr lang="es" sz="1000" dirty="0">
                           <a:solidFill>
                             <a:schemeClr val="accent3"/>
                           </a:solidFill>
@@ -9493,7 +9499,7 @@
                         </a:rPr>
                         <a:t>2.1 Encendido y limpieza general de impresora</a:t>
                       </a:r>
-                      <a:endParaRPr sz="800"/>
+                      <a:endParaRPr sz="800" dirty="0"/>
                     </a:p>
                   </a:txBody>
                   <a:tcPr marL="91425" marR="91425" marT="91425" marB="0"/>
@@ -9657,7 +9663,15 @@
                         </a:spcAft>
                         <a:buNone/>
                       </a:pPr>
-                      <a:endParaRPr/>
+                      <a:r>
+                        <a:rPr lang="es-CL" sz="700" dirty="0" smtClean="0"/>
+                        <a:t>Reducir</a:t>
+                      </a:r>
+                      <a:r>
+                        <a:rPr lang="es-CL" sz="700" baseline="0" dirty="0" smtClean="0"/>
+                        <a:t> efectos relacionados con la superficie de impresión o el despegue de las piezas, asimismo, interferencia de residuos plásticos en el modelo.</a:t>
+                      </a:r>
+                      <a:endParaRPr sz="700" dirty="0"/>
                     </a:p>
                   </a:txBody>
                   <a:tcPr marL="18000" marR="18000" marT="18000" marB="18000"/>
@@ -9676,7 +9690,15 @@
                         </a:spcAft>
                         <a:buNone/>
                       </a:pPr>
-                      <a:endParaRPr/>
+                      <a:r>
+                        <a:rPr lang="es-CL" sz="700" dirty="0" smtClean="0"/>
+                        <a:t>Establecer</a:t>
+                      </a:r>
+                      <a:r>
+                        <a:rPr lang="es-CL" sz="700" baseline="0" dirty="0" smtClean="0"/>
+                        <a:t> condiciones de operación para el plástico que se utilizará </a:t>
+                      </a:r>
+                      <a:endParaRPr sz="700" dirty="0"/>
                     </a:p>
                   </a:txBody>
                   <a:tcPr marL="18000" marR="18000" marT="18000" marB="18000"/>
@@ -9695,7 +9717,15 @@
                         </a:spcAft>
                         <a:buNone/>
                       </a:pPr>
-                      <a:endParaRPr/>
+                      <a:r>
+                        <a:rPr lang="es-CL" sz="700" dirty="0" smtClean="0"/>
+                        <a:t>Selecciona</a:t>
+                      </a:r>
+                      <a:r>
+                        <a:rPr lang="es-CL" sz="700" baseline="0" dirty="0" smtClean="0"/>
+                        <a:t>r el color y material correcto para la pieza a fabricar.</a:t>
+                      </a:r>
+                      <a:endParaRPr sz="700" dirty="0"/>
                     </a:p>
                   </a:txBody>
                   <a:tcPr marL="18000" marR="18000" marT="18000" marB="18000"/>
@@ -9714,7 +9744,15 @@
                         </a:spcAft>
                         <a:buNone/>
                       </a:pPr>
-                      <a:endParaRPr sz="700"/>
+                      <a:r>
+                        <a:rPr lang="es-CL" sz="700" dirty="0" smtClean="0"/>
+                        <a:t>Seleccionar</a:t>
+                      </a:r>
+                      <a:r>
+                        <a:rPr lang="es-CL" sz="700" baseline="0" dirty="0" smtClean="0"/>
+                        <a:t> el archivo correcto para imprimir</a:t>
+                      </a:r>
+                      <a:endParaRPr sz="700" dirty="0"/>
                     </a:p>
                   </a:txBody>
                   <a:tcPr marL="18000" marR="18000" marT="18000" marB="18000"/>
@@ -9768,7 +9806,15 @@
                         </a:spcAft>
                         <a:buNone/>
                       </a:pPr>
-                      <a:endParaRPr/>
+                      <a:r>
+                        <a:rPr lang="es-CL" sz="700" dirty="0" smtClean="0"/>
+                        <a:t>Se</a:t>
+                      </a:r>
+                      <a:r>
+                        <a:rPr lang="es-CL" sz="700" baseline="0" dirty="0" smtClean="0"/>
+                        <a:t> utiliza  papel absorbente , agua, alcohol u otro disolvente para  limpiar  la superficie de la cama caliente, y un cepillo metálico para limpiar boquilla.</a:t>
+                      </a:r>
+                      <a:endParaRPr sz="700" dirty="0"/>
                     </a:p>
                   </a:txBody>
                   <a:tcPr marL="18000" marR="18000" marT="18000" marB="18000"/>
@@ -9787,7 +9833,23 @@
                         </a:spcAft>
                         <a:buNone/>
                       </a:pPr>
-                      <a:endParaRPr/>
+                      <a:r>
+                        <a:rPr lang="es-CL" sz="700" dirty="0" smtClean="0"/>
+                        <a:t>Se</a:t>
+                      </a:r>
+                      <a:r>
+                        <a:rPr lang="es-CL" sz="700" baseline="0" dirty="0" smtClean="0"/>
+                        <a:t> entra a un menú desplegable en la pantalla LCD y se elige temperaturas de boquilla y extrusor, dependiendo del plástico a </a:t>
+                      </a:r>
+                      <a:r>
+                        <a:rPr lang="es-CL" sz="700" baseline="0" dirty="0" err="1" smtClean="0"/>
+                        <a:t>extruir</a:t>
+                      </a:r>
+                      <a:r>
+                        <a:rPr lang="es-CL" sz="700" baseline="0" dirty="0" smtClean="0"/>
+                        <a:t>. </a:t>
+                      </a:r>
+                      <a:endParaRPr sz="700" dirty="0"/>
                     </a:p>
                   </a:txBody>
                   <a:tcPr marL="18000" marR="18000" marT="18000" marB="18000"/>
@@ -9806,7 +9868,15 @@
                         </a:spcAft>
                         <a:buNone/>
                       </a:pPr>
-                      <a:endParaRPr/>
+                      <a:r>
+                        <a:rPr lang="es-CL" sz="700" dirty="0" smtClean="0"/>
+                        <a:t>Se registra en un planilla</a:t>
+                      </a:r>
+                      <a:r>
+                        <a:rPr lang="es-CL" sz="700" baseline="0" dirty="0" smtClean="0"/>
+                        <a:t> el filamento elegido, se saca de su empaque al vacío, se sitúa en el extrusor de la impresora y se guardan los residuos (cajas) para su reutilización</a:t>
+                      </a:r>
+                      <a:endParaRPr sz="700" dirty="0"/>
                     </a:p>
                   </a:txBody>
                   <a:tcPr marL="18000" marR="18000" marT="18000" marB="18000"/>
@@ -9816,6 +9886,44 @@
                     <a:bodyPr/>
                     <a:lstStyle/>
                     <a:p>
+                      <a:pPr marL="0" marR="0" lvl="0" indent="0" algn="just" defTabSz="914400" rtl="0" eaLnBrk="1" fontAlgn="auto" latinLnBrk="0" hangingPunct="1">
+                        <a:lnSpc>
+                          <a:spcPct val="100000"/>
+                        </a:lnSpc>
+                        <a:spcBef>
+                          <a:spcPts val="0"/>
+                        </a:spcBef>
+                        <a:spcAft>
+                          <a:spcPts val="0"/>
+                        </a:spcAft>
+                        <a:buClr>
+                          <a:srgbClr val="000000"/>
+                        </a:buClr>
+                        <a:buSzTx/>
+                        <a:buFont typeface="Arial"/>
+                        <a:buNone/>
+                        <a:tabLst/>
+                        <a:defRPr/>
+                      </a:pPr>
+                      <a:r>
+                        <a:rPr lang="es-ES" sz="700" dirty="0" smtClean="0"/>
+                        <a:t>Se</a:t>
+                      </a:r>
+                      <a:r>
+                        <a:rPr lang="es-ES" sz="700" baseline="0" dirty="0" smtClean="0"/>
+                        <a:t> entra a un menú desplegable en la pantalla LCD y se elige el archivo </a:t>
+                      </a:r>
+                      <a:r>
+                        <a:rPr lang="es-ES" sz="700" baseline="0" dirty="0" err="1" smtClean="0"/>
+                        <a:t>gcode</a:t>
+                      </a:r>
+                      <a:r>
+                        <a:rPr lang="es-ES" sz="700" baseline="0" dirty="0" smtClean="0"/>
+                        <a:t> a imprimir según el nombre con el que se guardó. </a:t>
+                      </a:r>
+                      <a:endParaRPr lang="es-ES" sz="700" dirty="0" smtClean="0"/>
+                    </a:p>
+                    <a:p>
                       <a:pPr marL="0" lvl="0" indent="0" algn="just" rtl="0">
                         <a:spcBef>
                           <a:spcPts val="0"/>
@@ -9825,7 +9933,7 @@
                         </a:spcAft>
                         <a:buNone/>
                       </a:pPr>
-                      <a:endParaRPr sz="700"/>
+                      <a:endParaRPr sz="700" dirty="0"/>
                     </a:p>
                   </a:txBody>
                   <a:tcPr marL="18000" marR="18000" marT="18000" marB="18000"/>
@@ -9879,7 +9987,45 @@
                         </a:spcAft>
                         <a:buNone/>
                       </a:pPr>
-                      <a:endParaRPr/>
+                      <a:r>
+                        <a:rPr lang="es-CL" sz="700" dirty="0" smtClean="0"/>
+                        <a:t>Interruptor</a:t>
+                      </a:r>
+                      <a:r>
+                        <a:rPr lang="es-CL" sz="700" baseline="0" dirty="0" smtClean="0"/>
+                        <a:t> de encendido.</a:t>
+                      </a:r>
+                    </a:p>
+                    <a:p>
+                      <a:pPr marL="0" lvl="0" indent="0" algn="l" rtl="0">
+                        <a:spcBef>
+                          <a:spcPts val="0"/>
+                        </a:spcBef>
+                        <a:spcAft>
+                          <a:spcPts val="0"/>
+                        </a:spcAft>
+                        <a:buNone/>
+                      </a:pPr>
+                      <a:r>
+                        <a:rPr lang="es-CL" sz="700" baseline="0" dirty="0" smtClean="0"/>
+                        <a:t>Cama caliente</a:t>
+                      </a:r>
+                    </a:p>
+                    <a:p>
+                      <a:pPr marL="0" lvl="0" indent="0" algn="l" rtl="0">
+                        <a:spcBef>
+                          <a:spcPts val="0"/>
+                        </a:spcBef>
+                        <a:spcAft>
+                          <a:spcPts val="0"/>
+                        </a:spcAft>
+                        <a:buNone/>
+                      </a:pPr>
+                      <a:r>
+                        <a:rPr lang="es-CL" sz="700" baseline="0" dirty="0" smtClean="0"/>
+                        <a:t>Extrusor </a:t>
+                      </a:r>
+                      <a:endParaRPr sz="700" dirty="0"/>
                     </a:p>
                   </a:txBody>
                   <a:tcPr marL="18000" marR="18000" marT="18000" marB="18000"/>
@@ -9898,7 +10044,11 @@
                         </a:spcAft>
                         <a:buNone/>
                       </a:pPr>
-                      <a:endParaRPr/>
+                      <a:r>
+                        <a:rPr lang="es-CL" sz="700" dirty="0" smtClean="0"/>
+                        <a:t>Interfaz pantalla LCD.</a:t>
+                      </a:r>
+                      <a:endParaRPr sz="700" dirty="0"/>
                     </a:p>
                   </a:txBody>
                   <a:tcPr marL="18000" marR="18000" marT="18000" marB="18000"/>
@@ -9917,7 +10067,30 @@
                         </a:spcAft>
                         <a:buNone/>
                       </a:pPr>
-                      <a:endParaRPr/>
+                      <a:r>
+                        <a:rPr lang="es-CL" sz="700" dirty="0" smtClean="0"/>
+                        <a:t>Interfaz pantalla</a:t>
+                      </a:r>
+                      <a:r>
+                        <a:rPr lang="es-CL" sz="700" baseline="0" dirty="0" smtClean="0"/>
+                        <a:t> LCD</a:t>
+                      </a:r>
+                    </a:p>
+                    <a:p>
+                      <a:pPr marL="0" lvl="0" indent="0" algn="l" rtl="0">
+                        <a:spcBef>
+                          <a:spcPts val="0"/>
+                        </a:spcBef>
+                        <a:spcAft>
+                          <a:spcPts val="0"/>
+                        </a:spcAft>
+                        <a:buNone/>
+                      </a:pPr>
+                      <a:r>
+                        <a:rPr lang="es-CL" sz="700" baseline="0" dirty="0" smtClean="0"/>
+                        <a:t>Extrusor </a:t>
+                      </a:r>
+                      <a:endParaRPr sz="700" dirty="0"/>
                     </a:p>
                   </a:txBody>
                   <a:tcPr marL="18000" marR="18000" marT="18000" marB="18000"/>
@@ -9927,6 +10100,35 @@
                     <a:bodyPr/>
                     <a:lstStyle/>
                     <a:p>
+                      <a:pPr marL="0" marR="0" lvl="0" indent="0" algn="just" defTabSz="914400" rtl="0" eaLnBrk="1" fontAlgn="auto" latinLnBrk="0" hangingPunct="1">
+                        <a:lnSpc>
+                          <a:spcPct val="100000"/>
+                        </a:lnSpc>
+                        <a:spcBef>
+                          <a:spcPts val="0"/>
+                        </a:spcBef>
+                        <a:spcAft>
+                          <a:spcPts val="0"/>
+                        </a:spcAft>
+                        <a:buClr>
+                          <a:srgbClr val="000000"/>
+                        </a:buClr>
+                        <a:buSzTx/>
+                        <a:buFont typeface="Arial"/>
+                        <a:buNone/>
+                        <a:tabLst/>
+                        <a:defRPr/>
+                      </a:pPr>
+                      <a:r>
+                        <a:rPr lang="es-CL" sz="700" dirty="0" smtClean="0"/>
+                        <a:t>Interfaz pantalla</a:t>
+                      </a:r>
+                      <a:r>
+                        <a:rPr lang="es-CL" sz="700" baseline="0" dirty="0" smtClean="0"/>
+                        <a:t> LCD</a:t>
+                      </a:r>
+                    </a:p>
+                    <a:p>
                       <a:pPr marL="0" lvl="0" indent="0" algn="just" rtl="0">
                         <a:spcBef>
                           <a:spcPts val="0"/>
@@ -9936,7 +10138,7 @@
                         </a:spcAft>
                         <a:buNone/>
                       </a:pPr>
-                      <a:endParaRPr sz="700"/>
+                      <a:endParaRPr sz="700" dirty="0"/>
                     </a:p>
                   </a:txBody>
                   <a:tcPr marL="18000" marR="18000" marT="18000" marB="18000"/>
@@ -9990,7 +10192,26 @@
                         </a:spcAft>
                         <a:buNone/>
                       </a:pPr>
-                      <a:endParaRPr/>
+                      <a:r>
+                        <a:rPr lang="es-CL" sz="700" dirty="0" smtClean="0"/>
+                        <a:t>Preocupación por el resto de actividades de limpieza y lubricación.</a:t>
+                      </a:r>
+                    </a:p>
+                    <a:p>
+                      <a:pPr marL="0" lvl="0" indent="0" algn="l" rtl="0">
+                        <a:spcBef>
+                          <a:spcPts val="0"/>
+                        </a:spcBef>
+                        <a:spcAft>
+                          <a:spcPts val="0"/>
+                        </a:spcAft>
+                        <a:buNone/>
+                      </a:pPr>
+                      <a:r>
+                        <a:rPr lang="es-CL" sz="700" dirty="0" smtClean="0"/>
+                        <a:t>Ocupación por dejar todo limpio y asegurar la pieza final.</a:t>
+                      </a:r>
+                      <a:endParaRPr sz="700" dirty="0"/>
                     </a:p>
                   </a:txBody>
                   <a:tcPr marL="18000" marR="18000" marT="18000" marB="18000"/>
@@ -10009,7 +10230,23 @@
                         </a:spcAft>
                         <a:buNone/>
                       </a:pPr>
-                      <a:endParaRPr/>
+                      <a:r>
+                        <a:rPr lang="es-CL" sz="700" dirty="0" smtClean="0"/>
+                        <a:t>Molestia porque se</a:t>
+                      </a:r>
+                      <a:r>
+                        <a:rPr lang="es-CL" sz="700" baseline="0" dirty="0" smtClean="0"/>
+                        <a:t> deben abrir muchas pestañas en la interfaz para llegar al </a:t>
+                      </a:r>
+                      <a:r>
+                        <a:rPr lang="es-CL" sz="700" baseline="0" dirty="0" err="1" smtClean="0"/>
+                        <a:t>seteo</a:t>
+                      </a:r>
+                      <a:r>
+                        <a:rPr lang="es-CL" sz="700" baseline="0" dirty="0" smtClean="0"/>
+                        <a:t> de temperaturas. </a:t>
+                      </a:r>
+                      <a:endParaRPr sz="700" dirty="0"/>
                     </a:p>
                   </a:txBody>
                   <a:tcPr marL="18000" marR="18000" marT="18000" marB="18000">
@@ -10038,7 +10275,50 @@
                         </a:spcAft>
                         <a:buNone/>
                       </a:pPr>
-                      <a:endParaRPr/>
+                      <a:r>
+                        <a:rPr lang="es-CL" sz="700" dirty="0" smtClean="0"/>
+                        <a:t>Concentración</a:t>
+                      </a:r>
+                      <a:r>
+                        <a:rPr lang="es-CL" sz="700" baseline="0" dirty="0" smtClean="0"/>
+                        <a:t> en verificar la temperatura correcta para insertar el filamento.</a:t>
+                      </a:r>
+                      <a:endParaRPr lang="es-CL" sz="700" dirty="0" smtClean="0"/>
+                    </a:p>
+                    <a:p>
+                      <a:pPr marL="0" lvl="0" indent="0" algn="l" rtl="0">
+                        <a:spcBef>
+                          <a:spcPts val="0"/>
+                        </a:spcBef>
+                        <a:spcAft>
+                          <a:spcPts val="0"/>
+                        </a:spcAft>
+                        <a:buNone/>
+                      </a:pPr>
+                      <a:r>
+                        <a:rPr lang="es-CL" sz="700" dirty="0" smtClean="0"/>
+                        <a:t>Preocupación por no obstruir el conducto</a:t>
+                      </a:r>
+                      <a:r>
+                        <a:rPr lang="es-CL" sz="700" baseline="0" dirty="0" smtClean="0"/>
+                        <a:t> extrusor y demorar la operación.. </a:t>
+                      </a:r>
+                    </a:p>
+                    <a:p>
+                      <a:pPr marL="0" lvl="0" indent="0" algn="l" rtl="0">
+                        <a:spcBef>
+                          <a:spcPts val="0"/>
+                        </a:spcBef>
+                        <a:spcAft>
+                          <a:spcPts val="0"/>
+                        </a:spcAft>
+                        <a:buNone/>
+                      </a:pPr>
+                      <a:r>
+                        <a:rPr lang="es-CL" sz="700" baseline="0" dirty="0" smtClean="0"/>
+                        <a:t>Concentración en lograr el color sin mezcla del filamento a usar. </a:t>
+                      </a:r>
+                      <a:endParaRPr sz="700" dirty="0"/>
                     </a:p>
                   </a:txBody>
                   <a:tcPr marL="18000" marR="18000" marT="18000" marB="18000"/>
@@ -10057,7 +10337,15 @@
                         </a:spcAft>
                         <a:buNone/>
                       </a:pPr>
-                      <a:endParaRPr sz="700"/>
+                      <a:r>
+                        <a:rPr lang="es-CL" sz="700" dirty="0" smtClean="0"/>
+                        <a:t>Preocupación</a:t>
+                      </a:r>
+                      <a:r>
+                        <a:rPr lang="es-CL" sz="700" baseline="0" dirty="0" smtClean="0"/>
+                        <a:t> por seleccionar el archivo correcto. Molestia porque muchas veces los nombres de los archivos se parecen y no se selecciona el correcto. Molestia porque algunos potenciómetros de las pantallas se encuentran defectuosos y hacen cometer errores en la selección </a:t>
+                      </a:r>
+                      <a:endParaRPr sz="700" dirty="0"/>
                     </a:p>
                   </a:txBody>
                   <a:tcPr marL="18000" marR="18000" marT="18000" marB="18000"/>
@@ -10111,7 +10399,7 @@
                         </a:spcAft>
                         <a:buNone/>
                       </a:pPr>
-                      <a:endParaRPr sz="700"/>
+                      <a:endParaRPr sz="700" dirty="0"/>
                     </a:p>
                   </a:txBody>
                   <a:tcPr marL="18000" marR="18000" marT="18000" marB="18000"/>
@@ -10195,7 +10483,7 @@
                         </a:spcAft>
                         <a:buNone/>
                       </a:pPr>
-                      <a:endParaRPr/>
+                      <a:endParaRPr sz="700" dirty="0"/>
                     </a:p>
                   </a:txBody>
                   <a:tcPr marL="18000" marR="18000" marT="18000" marB="18000"/>
@@ -10214,7 +10502,7 @@
                         </a:spcAft>
                         <a:buNone/>
                       </a:pPr>
-                      <a:endParaRPr/>
+                      <a:endParaRPr sz="700"/>
                     </a:p>
                   </a:txBody>
                   <a:tcPr marL="18000" marR="18000" marT="18000" marB="18000">
@@ -10243,7 +10531,7 @@
                         </a:spcAft>
                         <a:buNone/>
                       </a:pPr>
-                      <a:endParaRPr/>
+                      <a:endParaRPr sz="700" dirty="0"/>
                     </a:p>
                   </a:txBody>
                   <a:tcPr marL="18000" marR="18000" marT="18000" marB="18000"/>
@@ -10262,7 +10550,7 @@
                         </a:spcAft>
                         <a:buNone/>
                       </a:pPr>
-                      <a:endParaRPr sz="700">
+                      <a:endParaRPr sz="700" dirty="0">
                         <a:solidFill>
                           <a:srgbClr val="FF0000"/>
                         </a:solidFill>
@@ -10278,335 +10566,167 @@
       </p:graphicFrame>
       <p:grpSp>
         <p:nvGrpSpPr>
-          <p:cNvPr id="106" name="Google Shape;106;p18"/>
+          <p:cNvPr id="108" name="Google Shape;108;p18"/>
           <p:cNvGrpSpPr/>
           <p:nvPr/>
         </p:nvGrpSpPr>
         <p:grpSpPr>
           <a:xfrm>
-            <a:off x="1180075" y="2355475"/>
+            <a:off x="1312917" y="2681564"/>
             <a:ext cx="7963925" cy="655200"/>
-            <a:chOff x="1180075" y="2571750"/>
+            <a:chOff x="1180075" y="2938475"/>
             <a:chExt cx="7963925" cy="655200"/>
           </a:xfrm>
         </p:grpSpPr>
         <p:grpSp>
           <p:nvGrpSpPr>
-            <p:cNvPr id="107" name="Google Shape;107;p18"/>
+            <p:cNvPr id="109" name="Google Shape;109;p18"/>
             <p:cNvGrpSpPr/>
             <p:nvPr/>
           </p:nvGrpSpPr>
           <p:grpSpPr>
             <a:xfrm>
-              <a:off x="1180075" y="2571750"/>
-              <a:ext cx="7963925" cy="655200"/>
-              <a:chOff x="1180075" y="2571750"/>
-              <a:chExt cx="7963925" cy="655200"/>
+              <a:off x="1250625" y="3019650"/>
+              <a:ext cx="7893375" cy="492850"/>
+              <a:chOff x="1250625" y="3289150"/>
+              <a:chExt cx="7893375" cy="492850"/>
             </a:xfrm>
           </p:grpSpPr>
-          <p:grpSp>
-            <p:nvGrpSpPr>
-              <p:cNvPr id="108" name="Google Shape;108;p18"/>
-              <p:cNvGrpSpPr/>
+          <p:cxnSp>
+            <p:nvCxnSpPr>
+              <p:cNvPr id="110" name="Google Shape;110;p18"/>
+              <p:cNvCxnSpPr/>
               <p:nvPr/>
-            </p:nvGrpSpPr>
-            <p:grpSpPr>
-              <a:xfrm>
-                <a:off x="1180075" y="2571750"/>
-                <a:ext cx="7963925" cy="655200"/>
-                <a:chOff x="1180075" y="2938475"/>
-                <a:chExt cx="7963925" cy="655200"/>
-              </a:xfrm>
-            </p:grpSpPr>
-            <p:grpSp>
-              <p:nvGrpSpPr>
-                <p:cNvPr id="109" name="Google Shape;109;p18"/>
-                <p:cNvGrpSpPr/>
-                <p:nvPr/>
-              </p:nvGrpSpPr>
-              <p:grpSpPr>
-                <a:xfrm>
-                  <a:off x="1250625" y="3019650"/>
-                  <a:ext cx="7893375" cy="492850"/>
-                  <a:chOff x="1250625" y="3289150"/>
-                  <a:chExt cx="7893375" cy="492850"/>
-                </a:xfrm>
-              </p:grpSpPr>
-              <p:cxnSp>
-                <p:nvCxnSpPr>
-                  <p:cNvPr id="110" name="Google Shape;110;p18"/>
-                  <p:cNvCxnSpPr/>
-                  <p:nvPr/>
-                </p:nvCxnSpPr>
-                <p:spPr>
-                  <a:xfrm>
-                    <a:off x="1250625" y="3535575"/>
-                    <a:ext cx="7889100" cy="0"/>
-                  </a:xfrm>
-                  <a:prstGeom prst="straightConnector1">
-                    <a:avLst/>
-                  </a:prstGeom>
-                  <a:noFill/>
-                  <a:ln w="9525" cap="flat" cmpd="sng">
-                    <a:solidFill>
-                      <a:schemeClr val="dk2"/>
-                    </a:solidFill>
-                    <a:prstDash val="solid"/>
-                    <a:round/>
-                    <a:headEnd type="none" w="med" len="med"/>
-                    <a:tailEnd type="none" w="med" len="med"/>
-                  </a:ln>
-                </p:spPr>
-              </p:cxnSp>
-              <p:cxnSp>
-                <p:nvCxnSpPr>
-                  <p:cNvPr id="111" name="Google Shape;111;p18"/>
-                  <p:cNvCxnSpPr/>
-                  <p:nvPr/>
-                </p:nvCxnSpPr>
-                <p:spPr>
-                  <a:xfrm>
-                    <a:off x="1250625" y="3782000"/>
-                    <a:ext cx="7889100" cy="0"/>
-                  </a:xfrm>
-                  <a:prstGeom prst="straightConnector1">
-                    <a:avLst/>
-                  </a:prstGeom>
-                  <a:noFill/>
-                  <a:ln w="9525" cap="flat" cmpd="sng">
-                    <a:solidFill>
-                      <a:schemeClr val="dk2"/>
-                    </a:solidFill>
-                    <a:prstDash val="solid"/>
-                    <a:round/>
-                    <a:headEnd type="none" w="med" len="med"/>
-                    <a:tailEnd type="none" w="med" len="med"/>
-                  </a:ln>
-                </p:spPr>
-              </p:cxnSp>
-              <p:cxnSp>
-                <p:nvCxnSpPr>
-                  <p:cNvPr id="112" name="Google Shape;112;p18"/>
-                  <p:cNvCxnSpPr/>
-                  <p:nvPr/>
-                </p:nvCxnSpPr>
-                <p:spPr>
-                  <a:xfrm>
-                    <a:off x="1254900" y="3289150"/>
-                    <a:ext cx="7889100" cy="0"/>
-                  </a:xfrm>
-                  <a:prstGeom prst="straightConnector1">
-                    <a:avLst/>
-                  </a:prstGeom>
-                  <a:noFill/>
-                  <a:ln w="9525" cap="flat" cmpd="sng">
-                    <a:solidFill>
-                      <a:schemeClr val="dk2"/>
-                    </a:solidFill>
-                    <a:prstDash val="solid"/>
-                    <a:round/>
-                    <a:headEnd type="none" w="med" len="med"/>
-                    <a:tailEnd type="none" w="med" len="med"/>
-                  </a:ln>
-                </p:spPr>
-              </p:cxnSp>
-            </p:grpSp>
-            <p:sp>
-              <p:nvSpPr>
-                <p:cNvPr id="113" name="Google Shape;113;p18"/>
-                <p:cNvSpPr/>
-                <p:nvPr/>
-              </p:nvSpPr>
-              <p:spPr>
-                <a:xfrm>
-                  <a:off x="1180075" y="2938475"/>
-                  <a:ext cx="150600" cy="150600"/>
-                </a:xfrm>
-                <a:prstGeom prst="ellipse">
-                  <a:avLst/>
-                </a:prstGeom>
-                <a:solidFill>
-                  <a:schemeClr val="lt2"/>
-                </a:solidFill>
-                <a:ln w="9525" cap="flat" cmpd="sng">
-                  <a:solidFill>
-                    <a:schemeClr val="dk2"/>
-                  </a:solidFill>
-                  <a:prstDash val="solid"/>
-                  <a:round/>
-                  <a:headEnd type="none" w="sm" len="sm"/>
-                  <a:tailEnd type="none" w="sm" len="sm"/>
-                </a:ln>
-              </p:spPr>
-              <p:txBody>
-                <a:bodyPr spcFirstLastPara="1" wrap="square" lIns="91425" tIns="91425" rIns="91425" bIns="91425" anchor="ctr" anchorCtr="0">
-                  <a:noAutofit/>
-                </a:bodyPr>
-                <a:lstStyle/>
-                <a:p>
-                  <a:pPr marL="0" lvl="0" indent="0" algn="l" rtl="0">
-                    <a:spcBef>
-                      <a:spcPts val="0"/>
-                    </a:spcBef>
-                    <a:spcAft>
-                      <a:spcPts val="0"/>
-                    </a:spcAft>
-                    <a:buNone/>
-                  </a:pPr>
-                  <a:endParaRPr/>
-                </a:p>
-              </p:txBody>
-            </p:sp>
-            <p:sp>
-              <p:nvSpPr>
-                <p:cNvPr id="114" name="Google Shape;114;p18"/>
-                <p:cNvSpPr/>
-                <p:nvPr/>
-              </p:nvSpPr>
-              <p:spPr>
-                <a:xfrm>
-                  <a:off x="1180075" y="3190775"/>
-                  <a:ext cx="150600" cy="150600"/>
-                </a:xfrm>
-                <a:prstGeom prst="ellipse">
-                  <a:avLst/>
-                </a:prstGeom>
-                <a:solidFill>
-                  <a:srgbClr val="FFFF00"/>
-                </a:solidFill>
-                <a:ln w="9525" cap="flat" cmpd="sng">
-                  <a:solidFill>
-                    <a:schemeClr val="dk2"/>
-                  </a:solidFill>
-                  <a:prstDash val="solid"/>
-                  <a:round/>
-                  <a:headEnd type="none" w="sm" len="sm"/>
-                  <a:tailEnd type="none" w="sm" len="sm"/>
-                </a:ln>
-              </p:spPr>
-              <p:txBody>
-                <a:bodyPr spcFirstLastPara="1" wrap="square" lIns="91425" tIns="91425" rIns="91425" bIns="91425" anchor="ctr" anchorCtr="0">
-                  <a:noAutofit/>
-                </a:bodyPr>
-                <a:lstStyle/>
-                <a:p>
-                  <a:pPr marL="0" lvl="0" indent="0" algn="l" rtl="0">
-                    <a:spcBef>
-                      <a:spcPts val="0"/>
-                    </a:spcBef>
-                    <a:spcAft>
-                      <a:spcPts val="0"/>
-                    </a:spcAft>
-                    <a:buNone/>
-                  </a:pPr>
-                  <a:endParaRPr/>
-                </a:p>
-              </p:txBody>
-            </p:sp>
-            <p:sp>
-              <p:nvSpPr>
-                <p:cNvPr id="115" name="Google Shape;115;p18"/>
-                <p:cNvSpPr/>
-                <p:nvPr/>
-              </p:nvSpPr>
-              <p:spPr>
-                <a:xfrm>
-                  <a:off x="1180075" y="3443075"/>
-                  <a:ext cx="150600" cy="150600"/>
-                </a:xfrm>
-                <a:prstGeom prst="ellipse">
-                  <a:avLst/>
-                </a:prstGeom>
-                <a:solidFill>
-                  <a:srgbClr val="FF0000"/>
-                </a:solidFill>
-                <a:ln w="9525" cap="flat" cmpd="sng">
-                  <a:solidFill>
-                    <a:schemeClr val="dk2"/>
-                  </a:solidFill>
-                  <a:prstDash val="solid"/>
-                  <a:round/>
-                  <a:headEnd type="none" w="sm" len="sm"/>
-                  <a:tailEnd type="none" w="sm" len="sm"/>
-                </a:ln>
-              </p:spPr>
-              <p:txBody>
-                <a:bodyPr spcFirstLastPara="1" wrap="square" lIns="91425" tIns="91425" rIns="91425" bIns="91425" anchor="ctr" anchorCtr="0">
-                  <a:noAutofit/>
-                </a:bodyPr>
-                <a:lstStyle/>
-                <a:p>
-                  <a:pPr marL="0" lvl="0" indent="0" algn="l" rtl="0">
-                    <a:spcBef>
-                      <a:spcPts val="0"/>
-                    </a:spcBef>
-                    <a:spcAft>
-                      <a:spcPts val="0"/>
-                    </a:spcAft>
-                    <a:buNone/>
-                  </a:pPr>
-                  <a:endParaRPr/>
-                </a:p>
-              </p:txBody>
-            </p:sp>
-          </p:grpSp>
-          <p:sp>
-            <p:nvSpPr>
-              <p:cNvPr id="116" name="Google Shape;116;p18"/>
-              <p:cNvSpPr/>
-              <p:nvPr/>
-            </p:nvSpPr>
+            </p:nvCxnSpPr>
             <p:spPr>
               <a:xfrm>
-                <a:off x="2747625" y="2706500"/>
-                <a:ext cx="150600" cy="150600"/>
+                <a:off x="1250625" y="3535575"/>
+                <a:ext cx="7889100" cy="0"/>
               </a:xfrm>
-              <a:prstGeom prst="ellipse">
+              <a:prstGeom prst="straightConnector1">
                 <a:avLst/>
               </a:prstGeom>
-              <a:solidFill>
-                <a:srgbClr val="B6D7A8"/>
-              </a:solidFill>
+              <a:noFill/>
               <a:ln w="9525" cap="flat" cmpd="sng">
                 <a:solidFill>
                   <a:schemeClr val="dk2"/>
                 </a:solidFill>
                 <a:prstDash val="solid"/>
                 <a:round/>
-                <a:headEnd type="none" w="sm" len="sm"/>
-                <a:tailEnd type="none" w="sm" len="sm"/>
+                <a:headEnd type="none" w="med" len="med"/>
+                <a:tailEnd type="none" w="med" len="med"/>
               </a:ln>
             </p:spPr>
-            <p:txBody>
-              <a:bodyPr spcFirstLastPara="1" wrap="square" lIns="91425" tIns="91425" rIns="91425" bIns="91425" anchor="ctr" anchorCtr="0">
-                <a:noAutofit/>
-              </a:bodyPr>
-              <a:lstStyle/>
-              <a:p>
-                <a:pPr marL="0" lvl="0" indent="0" algn="l" rtl="0">
-                  <a:spcBef>
-                    <a:spcPts val="0"/>
-                  </a:spcBef>
-                  <a:spcAft>
-                    <a:spcPts val="0"/>
-                  </a:spcAft>
-                  <a:buNone/>
-                </a:pPr>
-                <a:endParaRPr/>
-              </a:p>
-            </p:txBody>
-          </p:sp>
+          </p:cxnSp>
+          <p:cxnSp>
+            <p:nvCxnSpPr>
+              <p:cNvPr id="111" name="Google Shape;111;p18"/>
+              <p:cNvCxnSpPr/>
+              <p:nvPr/>
+            </p:nvCxnSpPr>
+            <p:spPr>
+              <a:xfrm>
+                <a:off x="1250625" y="3782000"/>
+                <a:ext cx="7889100" cy="0"/>
+              </a:xfrm>
+              <a:prstGeom prst="straightConnector1">
+                <a:avLst/>
+              </a:prstGeom>
+              <a:noFill/>
+              <a:ln w="9525" cap="flat" cmpd="sng">
+                <a:solidFill>
+                  <a:schemeClr val="dk2"/>
+                </a:solidFill>
+                <a:prstDash val="solid"/>
+                <a:round/>
+                <a:headEnd type="none" w="med" len="med"/>
+                <a:tailEnd type="none" w="med" len="med"/>
+              </a:ln>
+            </p:spPr>
+          </p:cxnSp>
+          <p:cxnSp>
+            <p:nvCxnSpPr>
+              <p:cNvPr id="112" name="Google Shape;112;p18"/>
+              <p:cNvCxnSpPr/>
+              <p:nvPr/>
+            </p:nvCxnSpPr>
+            <p:spPr>
+              <a:xfrm>
+                <a:off x="1254900" y="3289150"/>
+                <a:ext cx="7889100" cy="0"/>
+              </a:xfrm>
+              <a:prstGeom prst="straightConnector1">
+                <a:avLst/>
+              </a:prstGeom>
+              <a:noFill/>
+              <a:ln w="9525" cap="flat" cmpd="sng">
+                <a:solidFill>
+                  <a:schemeClr val="dk2"/>
+                </a:solidFill>
+                <a:prstDash val="solid"/>
+                <a:round/>
+                <a:headEnd type="none" w="med" len="med"/>
+                <a:tailEnd type="none" w="med" len="med"/>
+              </a:ln>
+            </p:spPr>
+          </p:cxnSp>
         </p:grpSp>
         <p:sp>
           <p:nvSpPr>
-            <p:cNvPr id="117" name="Google Shape;117;p18"/>
+            <p:cNvPr id="113" name="Google Shape;113;p18"/>
             <p:cNvSpPr/>
             <p:nvPr/>
           </p:nvSpPr>
           <p:spPr>
             <a:xfrm>
-              <a:off x="5463200" y="2819400"/>
-              <a:ext cx="159900" cy="159900"/>
+              <a:off x="1180075" y="2938475"/>
+              <a:ext cx="150600" cy="150600"/>
+            </a:xfrm>
+            <a:prstGeom prst="ellipse">
+              <a:avLst/>
+            </a:prstGeom>
+            <a:solidFill>
+              <a:schemeClr val="lt2"/>
+            </a:solidFill>
+            <a:ln w="9525" cap="flat" cmpd="sng">
+              <a:solidFill>
+                <a:schemeClr val="dk2"/>
+              </a:solidFill>
+              <a:prstDash val="solid"/>
+              <a:round/>
+              <a:headEnd type="none" w="sm" len="sm"/>
+              <a:tailEnd type="none" w="sm" len="sm"/>
+            </a:ln>
+          </p:spPr>
+          <p:txBody>
+            <a:bodyPr spcFirstLastPara="1" wrap="square" lIns="91425" tIns="91425" rIns="91425" bIns="91425" anchor="ctr" anchorCtr="0">
+              <a:noAutofit/>
+            </a:bodyPr>
+            <a:lstStyle/>
+            <a:p>
+              <a:pPr marL="0" lvl="0" indent="0" algn="l" rtl="0">
+                <a:spcBef>
+                  <a:spcPts val="0"/>
+                </a:spcBef>
+                <a:spcAft>
+                  <a:spcPts val="0"/>
+                </a:spcAft>
+                <a:buNone/>
+              </a:pPr>
+              <a:endParaRPr/>
+            </a:p>
+          </p:txBody>
+        </p:sp>
+        <p:sp>
+          <p:nvSpPr>
+            <p:cNvPr id="114" name="Google Shape;114;p18"/>
+            <p:cNvSpPr/>
+            <p:nvPr/>
+          </p:nvSpPr>
+          <p:spPr>
+            <a:xfrm>
+              <a:off x="1180075" y="3190775"/>
+              <a:ext cx="150600" cy="150600"/>
             </a:xfrm>
             <a:prstGeom prst="ellipse">
               <a:avLst/>
@@ -10645,14 +10765,14 @@
         </p:sp>
         <p:sp>
           <p:nvSpPr>
-            <p:cNvPr id="118" name="Google Shape;118;p18"/>
+            <p:cNvPr id="115" name="Google Shape;115;p18"/>
             <p:cNvSpPr/>
             <p:nvPr/>
           </p:nvSpPr>
           <p:spPr>
             <a:xfrm>
-              <a:off x="7956975" y="3067050"/>
-              <a:ext cx="159900" cy="159900"/>
+              <a:off x="1180075" y="3443075"/>
+              <a:ext cx="150600" cy="150600"/>
             </a:xfrm>
             <a:prstGeom prst="ellipse">
               <a:avLst/>
@@ -10689,65 +10809,277 @@
             </a:p>
           </p:txBody>
         </p:sp>
-        <p:cxnSp>
-          <p:nvCxnSpPr>
-            <p:cNvPr id="119" name="Google Shape;119;p18"/>
-            <p:cNvCxnSpPr>
-              <a:stCxn id="116" idx="6"/>
-              <a:endCxn id="117" idx="2"/>
-            </p:cNvCxnSpPr>
-            <p:nvPr/>
-          </p:nvCxnSpPr>
-          <p:spPr>
-            <a:xfrm>
-              <a:off x="2898225" y="2781800"/>
-              <a:ext cx="2565000" cy="117600"/>
-            </a:xfrm>
-            <a:prstGeom prst="straightConnector1">
-              <a:avLst/>
-            </a:prstGeom>
-            <a:noFill/>
-            <a:ln w="9525" cap="flat" cmpd="sng">
-              <a:solidFill>
-                <a:srgbClr val="000000"/>
-              </a:solidFill>
-              <a:prstDash val="solid"/>
-              <a:round/>
-              <a:headEnd type="none" w="med" len="med"/>
-              <a:tailEnd type="none" w="med" len="med"/>
-            </a:ln>
-          </p:spPr>
-        </p:cxnSp>
-        <p:cxnSp>
-          <p:nvCxnSpPr>
-            <p:cNvPr id="120" name="Google Shape;120;p18"/>
-            <p:cNvCxnSpPr>
-              <a:stCxn id="117" idx="6"/>
-              <a:endCxn id="118" idx="2"/>
-            </p:cNvCxnSpPr>
-            <p:nvPr/>
-          </p:nvCxnSpPr>
-          <p:spPr>
-            <a:xfrm>
-              <a:off x="5623100" y="2899350"/>
-              <a:ext cx="2334000" cy="247800"/>
-            </a:xfrm>
-            <a:prstGeom prst="straightConnector1">
-              <a:avLst/>
-            </a:prstGeom>
-            <a:noFill/>
-            <a:ln w="9525" cap="flat" cmpd="sng">
-              <a:solidFill>
-                <a:srgbClr val="000000"/>
-              </a:solidFill>
-              <a:prstDash val="solid"/>
-              <a:round/>
-              <a:headEnd type="none" w="med" len="med"/>
-              <a:tailEnd type="none" w="med" len="med"/>
-            </a:ln>
-          </p:spPr>
-        </p:cxnSp>
       </p:grpSp>
+      <p:sp>
+        <p:nvSpPr>
+          <p:cNvPr id="116" name="Google Shape;116;p18"/>
+          <p:cNvSpPr/>
+          <p:nvPr/>
+        </p:nvSpPr>
+        <p:spPr>
+          <a:xfrm>
+            <a:off x="2257409" y="2698093"/>
+            <a:ext cx="150600" cy="150600"/>
+          </a:xfrm>
+          <a:prstGeom prst="ellipse">
+            <a:avLst/>
+          </a:prstGeom>
+          <a:solidFill>
+            <a:schemeClr val="tx2"/>
+          </a:solidFill>
+          <a:ln w="9525" cap="flat" cmpd="sng">
+            <a:solidFill>
+              <a:schemeClr val="dk2"/>
+            </a:solidFill>
+            <a:prstDash val="solid"/>
+            <a:round/>
+            <a:headEnd type="none" w="sm" len="sm"/>
+            <a:tailEnd type="none" w="sm" len="sm"/>
+          </a:ln>
+        </p:spPr>
+        <p:txBody>
+          <a:bodyPr spcFirstLastPara="1" wrap="square" lIns="91425" tIns="91425" rIns="91425" bIns="91425" anchor="ctr" anchorCtr="0">
+            <a:noAutofit/>
+          </a:bodyPr>
+          <a:lstStyle/>
+          <a:p>
+            <a:pPr marL="0" lvl="0" indent="0" algn="l" rtl="0">
+              <a:spcBef>
+                <a:spcPts val="0"/>
+              </a:spcBef>
+              <a:spcAft>
+                <a:spcPts val="0"/>
+              </a:spcAft>
+              <a:buNone/>
+            </a:pPr>
+            <a:endParaRPr/>
+          </a:p>
+        </p:txBody>
+      </p:sp>
+      <p:sp>
+        <p:nvSpPr>
+          <p:cNvPr id="117" name="Google Shape;117;p18"/>
+          <p:cNvSpPr/>
+          <p:nvPr/>
+        </p:nvSpPr>
+        <p:spPr>
+          <a:xfrm>
+            <a:off x="4292600" y="3054668"/>
+            <a:ext cx="159900" cy="159900"/>
+          </a:xfrm>
+          <a:prstGeom prst="ellipse">
+            <a:avLst/>
+          </a:prstGeom>
+          <a:solidFill>
+            <a:srgbClr val="FFC000"/>
+          </a:solidFill>
+          <a:ln w="9525" cap="flat" cmpd="sng">
+            <a:solidFill>
+              <a:schemeClr val="dk2"/>
+            </a:solidFill>
+            <a:prstDash val="solid"/>
+            <a:round/>
+            <a:headEnd type="none" w="sm" len="sm"/>
+            <a:tailEnd type="none" w="sm" len="sm"/>
+          </a:ln>
+        </p:spPr>
+        <p:txBody>
+          <a:bodyPr spcFirstLastPara="1" wrap="square" lIns="91425" tIns="91425" rIns="91425" bIns="91425" anchor="ctr" anchorCtr="0">
+            <a:noAutofit/>
+          </a:bodyPr>
+          <a:lstStyle/>
+          <a:p>
+            <a:pPr marL="0" lvl="0" indent="0" algn="l" rtl="0">
+              <a:spcBef>
+                <a:spcPts val="0"/>
+              </a:spcBef>
+              <a:spcAft>
+                <a:spcPts val="0"/>
+              </a:spcAft>
+              <a:buNone/>
+            </a:pPr>
+            <a:endParaRPr/>
+          </a:p>
+        </p:txBody>
+      </p:sp>
+      <p:sp>
+        <p:nvSpPr>
+          <p:cNvPr id="118" name="Google Shape;118;p18"/>
+          <p:cNvSpPr/>
+          <p:nvPr/>
+        </p:nvSpPr>
+        <p:spPr>
+          <a:xfrm>
+            <a:off x="8062725" y="3175639"/>
+            <a:ext cx="159900" cy="159900"/>
+          </a:xfrm>
+          <a:prstGeom prst="ellipse">
+            <a:avLst/>
+          </a:prstGeom>
+          <a:solidFill>
+            <a:srgbClr val="FF0000"/>
+          </a:solidFill>
+          <a:ln w="9525" cap="flat" cmpd="sng">
+            <a:solidFill>
+              <a:schemeClr val="dk2"/>
+            </a:solidFill>
+            <a:prstDash val="solid"/>
+            <a:round/>
+            <a:headEnd type="none" w="sm" len="sm"/>
+            <a:tailEnd type="none" w="sm" len="sm"/>
+          </a:ln>
+        </p:spPr>
+        <p:txBody>
+          <a:bodyPr spcFirstLastPara="1" wrap="square" lIns="91425" tIns="91425" rIns="91425" bIns="91425" anchor="ctr" anchorCtr="0">
+            <a:noAutofit/>
+          </a:bodyPr>
+          <a:lstStyle/>
+          <a:p>
+            <a:pPr marL="0" lvl="0" indent="0" algn="l" rtl="0">
+              <a:spcBef>
+                <a:spcPts val="0"/>
+              </a:spcBef>
+              <a:spcAft>
+                <a:spcPts val="0"/>
+              </a:spcAft>
+              <a:buNone/>
+            </a:pPr>
+            <a:endParaRPr/>
+          </a:p>
+        </p:txBody>
+      </p:sp>
+      <p:cxnSp>
+        <p:nvCxnSpPr>
+          <p:cNvPr id="119" name="Google Shape;119;p18"/>
+          <p:cNvCxnSpPr>
+            <a:endCxn id="117" idx="2"/>
+          </p:cNvCxnSpPr>
+          <p:nvPr/>
+        </p:nvCxnSpPr>
+        <p:spPr>
+          <a:xfrm>
+            <a:off x="2408009" y="2773393"/>
+            <a:ext cx="1884591" cy="361225"/>
+          </a:xfrm>
+          <a:prstGeom prst="straightConnector1">
+            <a:avLst/>
+          </a:prstGeom>
+          <a:noFill/>
+          <a:ln w="9525" cap="flat" cmpd="sng">
+            <a:solidFill>
+              <a:srgbClr val="000000"/>
+            </a:solidFill>
+            <a:prstDash val="solid"/>
+            <a:round/>
+            <a:headEnd type="none" w="med" len="med"/>
+            <a:tailEnd type="none" w="med" len="med"/>
+          </a:ln>
+        </p:spPr>
+      </p:cxnSp>
+      <p:cxnSp>
+        <p:nvCxnSpPr>
+          <p:cNvPr id="120" name="Google Shape;120;p18"/>
+          <p:cNvCxnSpPr>
+            <a:stCxn id="117" idx="6"/>
+            <a:endCxn id="25" idx="2"/>
+          </p:cNvCxnSpPr>
+          <p:nvPr/>
+        </p:nvCxnSpPr>
+        <p:spPr>
+          <a:xfrm flipV="1">
+            <a:off x="4452500" y="2878705"/>
+            <a:ext cx="1721775" cy="255913"/>
+          </a:xfrm>
+          <a:prstGeom prst="straightConnector1">
+            <a:avLst/>
+          </a:prstGeom>
+          <a:noFill/>
+          <a:ln w="9525" cap="flat" cmpd="sng">
+            <a:solidFill>
+              <a:srgbClr val="000000"/>
+            </a:solidFill>
+            <a:prstDash val="solid"/>
+            <a:round/>
+            <a:headEnd type="none" w="med" len="med"/>
+            <a:tailEnd type="none" w="med" len="med"/>
+          </a:ln>
+        </p:spPr>
+      </p:cxnSp>
+      <p:sp>
+        <p:nvSpPr>
+          <p:cNvPr id="25" name="Google Shape;116;p18"/>
+          <p:cNvSpPr/>
+          <p:nvPr/>
+        </p:nvSpPr>
+        <p:spPr>
+          <a:xfrm>
+            <a:off x="6174275" y="2803405"/>
+            <a:ext cx="150600" cy="150600"/>
+          </a:xfrm>
+          <a:prstGeom prst="ellipse">
+            <a:avLst/>
+          </a:prstGeom>
+          <a:solidFill>
+            <a:srgbClr val="92D050"/>
+          </a:solidFill>
+          <a:ln w="9525" cap="flat" cmpd="sng">
+            <a:solidFill>
+              <a:schemeClr val="dk2"/>
+            </a:solidFill>
+            <a:prstDash val="solid"/>
+            <a:round/>
+            <a:headEnd type="none" w="sm" len="sm"/>
+            <a:tailEnd type="none" w="sm" len="sm"/>
+          </a:ln>
+        </p:spPr>
+        <p:txBody>
+          <a:bodyPr spcFirstLastPara="1" wrap="square" lIns="91425" tIns="91425" rIns="91425" bIns="91425" anchor="ctr" anchorCtr="0">
+            <a:noAutofit/>
+          </a:bodyPr>
+          <a:lstStyle/>
+          <a:p>
+            <a:pPr marL="0" lvl="0" indent="0" algn="l" rtl="0">
+              <a:spcBef>
+                <a:spcPts val="0"/>
+              </a:spcBef>
+              <a:spcAft>
+                <a:spcPts val="0"/>
+              </a:spcAft>
+              <a:buNone/>
+            </a:pPr>
+            <a:endParaRPr/>
+          </a:p>
+        </p:txBody>
+      </p:sp>
+      <p:cxnSp>
+        <p:nvCxnSpPr>
+          <p:cNvPr id="27" name="Google Shape;120;p18"/>
+          <p:cNvCxnSpPr>
+            <a:stCxn id="25" idx="6"/>
+            <a:endCxn id="118" idx="2"/>
+          </p:cNvCxnSpPr>
+          <p:nvPr/>
+        </p:nvCxnSpPr>
+        <p:spPr>
+          <a:xfrm>
+            <a:off x="6324875" y="2878705"/>
+            <a:ext cx="1737850" cy="376884"/>
+          </a:xfrm>
+          <a:prstGeom prst="straightConnector1">
+            <a:avLst/>
+          </a:prstGeom>
+          <a:noFill/>
+          <a:ln w="9525" cap="flat" cmpd="sng">
+            <a:solidFill>
+              <a:srgbClr val="000000"/>
+            </a:solidFill>
+            <a:prstDash val="solid"/>
+            <a:round/>
+            <a:headEnd type="none" w="med" len="med"/>
+            <a:tailEnd type="none" w="med" len="med"/>
+          </a:ln>
+        </p:spPr>
+      </p:cxnSp>
     </p:spTree>
   </p:cSld>
   <p:clrMapOvr>
